--- a/TAREA3.pptx
+++ b/TAREA3.pptx
@@ -340,7 +340,7 @@
           <a:p>
             <a:fld id="{6E1D7A85-3234-2845-A3D9-88D91527219B}" type="slidenum">
               <a:rPr lang="es-CL" smtClean="0"/>
-              <a:t>‹Nº›</a:t>
+              <a:t>‹#›</a:t>
             </a:fld>
             <a:endParaRPr lang="es-CL"/>
           </a:p>
@@ -468,7 +468,7 @@
       </p:grpSpPr>
       <p:sp>
         <p:nvSpPr>
-          <p:cNvPr id="2" name="Marcador de imagen de diapositiva 1"/>
+          <p:cNvPr id="2" name="Slide Image Placeholder 1"/>
           <p:cNvSpPr>
             <a:spLocks noGrp="1" noRot="1" noChangeAspect="1"/>
           </p:cNvSpPr>
@@ -480,7 +480,7 @@
       </p:sp>
       <p:sp>
         <p:nvSpPr>
-          <p:cNvPr id="3" name="Marcador de notas 2"/>
+          <p:cNvPr id="3" name="Notes Placeholder 2"/>
           <p:cNvSpPr>
             <a:spLocks noGrp="1"/>
           </p:cNvSpPr>
@@ -494,69 +494,76 @@
           <a:lstStyle/>
           <a:p>
             <a:r>
-              <a:rPr lang="es-CL" dirty="0"/>
-              <a:t>Este es el primer paso del análisis: entender si la internacionalización del contenido es un fenómeno distribuido o concentrado en ciertas industrias. </a:t>
-            </a:r>
-          </a:p>
-          <a:p>
-            <a:r>
-              <a:rPr lang="es-CL" dirty="0"/>
-              <a:t>Detectar estas concentraciones nos permite evaluar la probabilidad de que un título tenga exposición fuera de su mercado original.</a:t>
-            </a:r>
-          </a:p>
-          <a:p>
-            <a:endParaRPr lang="es-CL" dirty="0"/>
-          </a:p>
-          <a:p>
-            <a:r>
-              <a:rPr lang="es-CL" dirty="0"/>
-              <a:t>Tipo de gráfico: scatterplot → permite mostrar densidad, variación y la presencia de outliers sin distorsión.</a:t>
-            </a:r>
-            <a:br>
-              <a:rPr lang="es-CL" dirty="0"/>
-            </a:br>
-            <a:endParaRPr lang="es-CL" dirty="0"/>
-          </a:p>
-          <a:p>
-            <a:r>
-              <a:rPr lang="es-CL" dirty="0"/>
-              <a:t>Razón de diseño: el color por país principal facilita identificar patrones de concentración geográfica en producciones multinacionales.</a:t>
-            </a:r>
-            <a:br>
-              <a:rPr lang="es-CL" dirty="0"/>
-            </a:br>
-            <a:endParaRPr lang="es-CL" dirty="0"/>
-          </a:p>
-          <a:p>
-            <a:r>
-              <a:rPr lang="es-CL" dirty="0"/>
-              <a:t>Canal visual dominante: posición en el eje X → compara con precisión el número de países involucrados.</a:t>
-            </a:r>
-          </a:p>
-          <a:p>
-            <a:endParaRPr lang="es-CL" dirty="0"/>
-          </a:p>
-          <a:p>
-            <a:r>
-              <a:rPr lang="es-CL" dirty="0"/>
-              <a:t>Elección sobre alternativas: un boxplot perdería el detalle de la distribución por país; un histograma no permitiría distinguir orígenes; este formato preserva granularidad y patrones geográficos.</a:t>
-            </a:r>
-            <a:br>
-              <a:rPr lang="es-CL" dirty="0"/>
-            </a:br>
-            <a:endParaRPr lang="es-CL" dirty="0"/>
-          </a:p>
-          <a:p>
-            <a:r>
-              <a:rPr lang="es-CL" dirty="0"/>
-              <a:t>Reducción de ruido: paleta suave, ejes limpios, leyenda ordenada.</a:t>
-            </a:r>
-          </a:p>
-        </p:txBody>
-      </p:sp>
-      <p:sp>
-        <p:nvSpPr>
-          <p:cNvPr id="4" name="Marcador de número de diapositiva 3"/>
+              <a:rPr lang="en-US" dirty="0"/>
+              <a:t>Nota:  Las </a:t>
+            </a:r>
+            <a:r>
+              <a:rPr lang="en-US" dirty="0" err="1"/>
+              <a:t>justificaciones</a:t>
+            </a:r>
+            <a:r>
+              <a:rPr lang="en-US" dirty="0"/>
+              <a:t> de </a:t>
+            </a:r>
+            <a:r>
+              <a:rPr lang="en-US" dirty="0" err="1"/>
+              <a:t>los</a:t>
+            </a:r>
+            <a:r>
+              <a:rPr lang="en-US" dirty="0"/>
+              <a:t> </a:t>
+            </a:r>
+            <a:r>
+              <a:rPr lang="en-US" dirty="0" err="1"/>
+              <a:t>gráficos</a:t>
+            </a:r>
+            <a:r>
+              <a:rPr lang="en-US" dirty="0"/>
+              <a:t> </a:t>
+            </a:r>
+            <a:r>
+              <a:rPr lang="en-US" dirty="0" err="1"/>
+              <a:t>está</a:t>
+            </a:r>
+            <a:r>
+              <a:rPr lang="en-US" dirty="0"/>
+              <a:t> </a:t>
+            </a:r>
+            <a:r>
+              <a:rPr lang="en-US" dirty="0" err="1"/>
+              <a:t>en</a:t>
+            </a:r>
+            <a:r>
+              <a:rPr lang="en-US" dirty="0"/>
+              <a:t> nota del </a:t>
+            </a:r>
+            <a:r>
+              <a:rPr lang="en-US" dirty="0" err="1"/>
+              <a:t>presentador</a:t>
+            </a:r>
+            <a:r>
+              <a:rPr lang="en-US" dirty="0"/>
+              <a:t>,  </a:t>
+            </a:r>
+            <a:r>
+              <a:rPr lang="en-US" dirty="0" err="1"/>
+              <a:t>por</a:t>
+            </a:r>
+            <a:r>
+              <a:rPr lang="en-US" dirty="0"/>
+              <a:t> favor </a:t>
+            </a:r>
+            <a:r>
+              <a:rPr lang="en-US"/>
+              <a:t>considerar.</a:t>
+            </a:r>
+            <a:endParaRPr lang="en-CL" dirty="0"/>
+          </a:p>
+        </p:txBody>
+      </p:sp>
+      <p:sp>
+        <p:nvSpPr>
+          <p:cNvPr id="4" name="Slide Number Placeholder 3"/>
           <p:cNvSpPr>
             <a:spLocks noGrp="1"/>
           </p:cNvSpPr>
@@ -571,7 +578,7 @@
           <a:p>
             <a:fld id="{6E1D7A85-3234-2845-A3D9-88D91527219B}" type="slidenum">
               <a:rPr lang="es-CL" smtClean="0"/>
-              <a:t>4</a:t>
+              <a:t>1</a:t>
             </a:fld>
             <a:endParaRPr lang="es-CL"/>
           </a:p>
@@ -580,7 +587,7 @@
     </p:spTree>
     <p:extLst>
       <p:ext uri="{BB962C8B-B14F-4D97-AF65-F5344CB8AC3E}">
-        <p14:creationId xmlns:p14="http://schemas.microsoft.com/office/powerpoint/2010/main" val="2361709878"/>
+        <p14:creationId xmlns:p14="http://schemas.microsoft.com/office/powerpoint/2010/main" val="2884387662"/>
       </p:ext>
     </p:extLst>
   </p:cSld>
@@ -609,7 +616,7 @@
       </p:grpSpPr>
       <p:sp>
         <p:nvSpPr>
-          <p:cNvPr id="2" name="Marcador de imagen de diapositiva 1"/>
+          <p:cNvPr id="2" name="Slide Image Placeholder 1"/>
           <p:cNvSpPr>
             <a:spLocks noGrp="1" noRot="1" noChangeAspect="1"/>
           </p:cNvSpPr>
@@ -621,7 +628,7 @@
       </p:sp>
       <p:sp>
         <p:nvSpPr>
-          <p:cNvPr id="3" name="Marcador de notas 2"/>
+          <p:cNvPr id="3" name="Notes Placeholder 2"/>
           <p:cNvSpPr>
             <a:spLocks noGrp="1"/>
           </p:cNvSpPr>
@@ -634,60 +641,13 @@
           <a:bodyPr/>
           <a:lstStyle/>
           <a:p>
-            <a:r>
-              <a:rPr lang="es-CL" dirty="0"/>
-              <a:t>Establece que la globalización del contenido no es un fenómeno anecdótico, sino una tendencia clara, creciente y estadísticamente robusta. Esto valida que desarrollar un modelo predictivo para identificar títulos de alcance global es relevante y accionable.</a:t>
-            </a:r>
-          </a:p>
-          <a:p>
-            <a:endParaRPr lang="es-CL" dirty="0"/>
-          </a:p>
-          <a:p>
-            <a:r>
-              <a:rPr lang="es-CL" dirty="0"/>
-              <a:t>Tipo: time-series line chart → único apto para mostrar tendencia.</a:t>
-            </a:r>
-          </a:p>
-          <a:p>
-            <a:r>
-              <a:rPr lang="es-CL" dirty="0"/>
-              <a:t>Banda de confianza → comunica incertidumbre y precisión del estimador.</a:t>
-            </a:r>
-            <a:br>
-              <a:rPr lang="es-CL" dirty="0"/>
-            </a:br>
-            <a:r>
-              <a:rPr lang="es-CL" dirty="0"/>
-              <a:t>Bootstrapping → método no paramétrico ideal para proporciones de catálogos no uniformes.</a:t>
-            </a:r>
-          </a:p>
-          <a:p>
-            <a:r>
-              <a:rPr lang="es-CL" dirty="0"/>
-              <a:t>Proporciones normalizadas → evita sesgo por crecimiento absoluto del catálogo.</a:t>
-            </a:r>
-          </a:p>
-          <a:p>
-            <a:r>
-              <a:rPr lang="es-CL" dirty="0"/>
-              <a:t>Colores sobrios, contraste alto → lectura óptima, estándar consultoría.</a:t>
-            </a:r>
-          </a:p>
-          <a:p>
-            <a:r>
-              <a:rPr lang="es-CL" dirty="0"/>
-              <a:t>Eliminación de gridlines → reduce ruido y mejora la relación señal–ruido.</a:t>
-            </a:r>
-            <a:br>
-              <a:rPr lang="es-CL" dirty="0"/>
-            </a:br>
-            <a:endParaRPr lang="es-CL" dirty="0"/>
-          </a:p>
-        </p:txBody>
-      </p:sp>
-      <p:sp>
-        <p:nvSpPr>
-          <p:cNvPr id="4" name="Marcador de número de diapositiva 3"/>
+            <a:endParaRPr lang="en-CL" dirty="0"/>
+          </a:p>
+        </p:txBody>
+      </p:sp>
+      <p:sp>
+        <p:nvSpPr>
+          <p:cNvPr id="4" name="Slide Number Placeholder 3"/>
           <p:cNvSpPr>
             <a:spLocks noGrp="1"/>
           </p:cNvSpPr>
@@ -702,7 +662,7 @@
           <a:p>
             <a:fld id="{6E1D7A85-3234-2845-A3D9-88D91527219B}" type="slidenum">
               <a:rPr lang="es-CL" smtClean="0"/>
-              <a:t>5</a:t>
+              <a:t>2</a:t>
             </a:fld>
             <a:endParaRPr lang="es-CL"/>
           </a:p>
@@ -711,7 +671,7 @@
     </p:spTree>
     <p:extLst>
       <p:ext uri="{BB962C8B-B14F-4D97-AF65-F5344CB8AC3E}">
-        <p14:creationId xmlns:p14="http://schemas.microsoft.com/office/powerpoint/2010/main" val="301614831"/>
+        <p14:creationId xmlns:p14="http://schemas.microsoft.com/office/powerpoint/2010/main" val="2112135773"/>
       </p:ext>
     </p:extLst>
   </p:cSld>
@@ -765,46 +725,44 @@
           <a:bodyPr/>
           <a:lstStyle/>
           <a:p>
+            <a:r>
+              <a:rPr lang="es-CL" dirty="0"/>
+              <a:t>Este es el primer paso del análisis: entender si la internacionalización del contenido es un fenómeno distribuido o concentrado en ciertas industrias. </a:t>
+            </a:r>
+          </a:p>
+          <a:p>
+            <a:r>
+              <a:rPr lang="es-CL" dirty="0"/>
+              <a:t>Detectar estas concentraciones nos permite evaluar la probabilidad de que un título tenga exposición fuera de su mercado original.</a:t>
+            </a:r>
+          </a:p>
+          <a:p>
+            <a:endParaRPr lang="es-CL" dirty="0"/>
+          </a:p>
+          <a:p>
+            <a:r>
+              <a:rPr lang="es-CL" dirty="0"/>
+              <a:t>Tipo de gráfico: scatterplot → permite mostrar densidad, variación y la presencia de outliers sin distorsión.</a:t>
+            </a:r>
             <a:br>
               <a:rPr lang="es-CL" dirty="0"/>
             </a:br>
+            <a:endParaRPr lang="es-CL" dirty="0"/>
+          </a:p>
+          <a:p>
             <a:r>
               <a:rPr lang="es-CL" dirty="0"/>
-              <a:t>Comparar medidas robustas (mediana, IQR) y detectar valores extremos sin asumir normalidad.</a:t>
-            </a:r>
-          </a:p>
-          <a:p>
-            <a:endParaRPr lang="es-CL" dirty="0"/>
-          </a:p>
-          <a:p>
-            <a:r>
-              <a:rPr lang="es-CL" dirty="0"/>
-              <a:t>Boxplot comparativo → resumen estadístico directo.</a:t>
-            </a:r>
-          </a:p>
-          <a:p>
-            <a:endParaRPr lang="es-CL" dirty="0"/>
-          </a:p>
-          <a:p>
-            <a:r>
-              <a:rPr lang="es-CL" dirty="0"/>
-              <a:t>Reduce la complejidad del histograma y permite una lectura rápida de diferencias estructurales.</a:t>
-            </a:r>
-          </a:p>
-          <a:p>
-            <a:endParaRPr lang="es-CL" dirty="0"/>
-          </a:p>
-          <a:p>
-            <a:r>
-              <a:rPr lang="es-CL" dirty="0"/>
-              <a:t>Canal visual dominante:</a:t>
+              <a:t>Razón de diseño: el color por país principal facilita identificar patrones de concentración geográfica en producciones multinacionales.</a:t>
             </a:r>
             <a:br>
               <a:rPr lang="es-CL" dirty="0"/>
             </a:br>
+            <a:endParaRPr lang="es-CL" dirty="0"/>
+          </a:p>
+          <a:p>
             <a:r>
               <a:rPr lang="es-CL" dirty="0"/>
-              <a:t>Posición vertical de la mediana y altura de la caja → comparación precisa.</a:t>
+              <a:t>Canal visual dominante: posición en el eje X → compara con precisión el número de países involucrados.</a:t>
             </a:r>
           </a:p>
           <a:p>
@@ -813,14 +771,18 @@
           <a:p>
             <a:r>
               <a:rPr lang="es-CL" dirty="0"/>
-              <a:t>Un promedio ocultaría asimetrías. El boxplot conserva robustez ante outliers.</a:t>
-            </a:r>
-          </a:p>
-          <a:p>
+              <a:t>Elección sobre alternativas: un boxplot perdería el detalle de la distribución por país; un histograma no permitiría distinguir orígenes; este formato preserva granularidad y patrones geográficos.</a:t>
+            </a:r>
+            <a:br>
+              <a:rPr lang="es-CL" dirty="0"/>
+            </a:br>
             <a:endParaRPr lang="es-CL" dirty="0"/>
           </a:p>
           <a:p>
-            <a:endParaRPr lang="es-CL" dirty="0"/>
+            <a:r>
+              <a:rPr lang="es-CL" dirty="0"/>
+              <a:t>Reducción de ruido: paleta suave, ejes limpios, leyenda ordenada.</a:t>
+            </a:r>
           </a:p>
         </p:txBody>
       </p:sp>
@@ -841,7 +803,7 @@
           <a:p>
             <a:fld id="{6E1D7A85-3234-2845-A3D9-88D91527219B}" type="slidenum">
               <a:rPr lang="es-CL" smtClean="0"/>
-              <a:t>6</a:t>
+              <a:t>4</a:t>
             </a:fld>
             <a:endParaRPr lang="es-CL"/>
           </a:p>
@@ -850,7 +812,7 @@
     </p:spTree>
     <p:extLst>
       <p:ext uri="{BB962C8B-B14F-4D97-AF65-F5344CB8AC3E}">
-        <p14:creationId xmlns:p14="http://schemas.microsoft.com/office/powerpoint/2010/main" val="2443524814"/>
+        <p14:creationId xmlns:p14="http://schemas.microsoft.com/office/powerpoint/2010/main" val="2361709878"/>
       </p:ext>
     </p:extLst>
   </p:cSld>
@@ -906,62 +868,51 @@
           <a:p>
             <a:r>
               <a:rPr lang="es-CL" dirty="0"/>
-              <a:t>Este paso del análisis busca evaluar si el lenguaje de las descripciones contiene señales tempranas del alcance global de un título.</a:t>
+              <a:t>Establece que la globalización del contenido no es un fenómeno anecdótico, sino una tendencia clara, creciente y estadísticamente robusta. Esto valida que desarrollar un modelo predictivo para identificar títulos de alcance global es relevante y accionable.</a:t>
+            </a:r>
+          </a:p>
+          <a:p>
+            <a:endParaRPr lang="es-CL" dirty="0"/>
+          </a:p>
+          <a:p>
+            <a:r>
+              <a:rPr lang="es-CL" dirty="0"/>
+              <a:t>Tipo: time-series line chart → único apto para mostrar tendencia.</a:t>
+            </a:r>
+          </a:p>
+          <a:p>
+            <a:r>
+              <a:rPr lang="es-CL" dirty="0"/>
+              <a:t>Banda de confianza → comunica incertidumbre y precisión del estimador.</a:t>
             </a:r>
             <a:br>
               <a:rPr lang="es-CL" dirty="0"/>
             </a:br>
             <a:r>
               <a:rPr lang="es-CL" dirty="0"/>
-              <a:t>A diferencia de variables estructurales, el texto está disponible antes del lanzamiento, lo que lo convierte en una señal particularmente valiosa para anticipación.</a:t>
-            </a:r>
-          </a:p>
-          <a:p>
-            <a:endParaRPr lang="es-CL" dirty="0"/>
+              <a:t>Bootstrapping → método no paramétrico ideal para proporciones de catálogos no uniformes.</a:t>
+            </a:r>
           </a:p>
           <a:p>
             <a:r>
               <a:rPr lang="es-CL" dirty="0"/>
-              <a:t>Tipo de gráfico: visualización de importancia léxica / términos destacados → permite identificar qué grupos de palabras están asociados a mayor o menor proyección internacional.</a:t>
-            </a:r>
-          </a:p>
-          <a:p>
-            <a:endParaRPr lang="es-CL" dirty="0"/>
+              <a:t>Proporciones normalizadas → evita sesgo por crecimiento absoluto del catálogo.</a:t>
+            </a:r>
           </a:p>
           <a:p>
             <a:r>
               <a:rPr lang="es-CL" dirty="0"/>
-              <a:t>Razón de diseño: se prioriza una lectura semántica clara por sobre métricas técnicas, facilitando la interpretación para audiencias no técnicas.</a:t>
-            </a:r>
-          </a:p>
-          <a:p>
-            <a:endParaRPr lang="es-CL" dirty="0"/>
+              <a:t>Colores sobrios, contraste alto → lectura óptima, estándar consultoría.</a:t>
+            </a:r>
           </a:p>
           <a:p>
             <a:r>
               <a:rPr lang="es-CL" dirty="0"/>
-              <a:t>Canal visual dominante: tamaño / posición de los términos → permite comparar rápidamente qué conceptos destacan en títulos con mayor alcance global.</a:t>
-            </a:r>
-          </a:p>
-          <a:p>
-            <a:endParaRPr lang="es-CL" dirty="0"/>
-          </a:p>
-          <a:p>
-            <a:r>
+              <a:t>Eliminación de gridlines → reduce ruido y mejora la relación señal–ruido.</a:t>
+            </a:r>
+            <a:br>
               <a:rPr lang="es-CL" dirty="0"/>
-              <a:t>Elección sobre alternativas: tablas de coeficientes o pesos numéricos aumentarían la carga cognitiva sin aportar claridad narrativa; un gráfico explicativo resume patrones de lenguaje de forma más intuitiva.</a:t>
-            </a:r>
-          </a:p>
-          <a:p>
-            <a:endParaRPr lang="es-CL" dirty="0"/>
-          </a:p>
-          <a:p>
-            <a:r>
-              <a:rPr lang="es-CL" dirty="0"/>
-              <a:t>Reducción de ruido: selección de términos más relevantes, eliminación de palabras irrelevantes y uso de una paleta limitada sin codificaciones innecesarias.</a:t>
-            </a:r>
-          </a:p>
-          <a:p>
+            </a:br>
             <a:endParaRPr lang="es-CL" dirty="0"/>
           </a:p>
         </p:txBody>
@@ -983,7 +934,7 @@
           <a:p>
             <a:fld id="{6E1D7A85-3234-2845-A3D9-88D91527219B}" type="slidenum">
               <a:rPr lang="es-CL" smtClean="0"/>
-              <a:t>7</a:t>
+              <a:t>5</a:t>
             </a:fld>
             <a:endParaRPr lang="es-CL"/>
           </a:p>
@@ -992,7 +943,7 @@
     </p:spTree>
     <p:extLst>
       <p:ext uri="{BB962C8B-B14F-4D97-AF65-F5344CB8AC3E}">
-        <p14:creationId xmlns:p14="http://schemas.microsoft.com/office/powerpoint/2010/main" val="2306394791"/>
+        <p14:creationId xmlns:p14="http://schemas.microsoft.com/office/powerpoint/2010/main" val="301614831"/>
       </p:ext>
     </p:extLst>
   </p:cSld>
@@ -1046,6 +997,287 @@
           <a:bodyPr/>
           <a:lstStyle/>
           <a:p>
+            <a:br>
+              <a:rPr lang="es-CL" dirty="0"/>
+            </a:br>
+            <a:r>
+              <a:rPr lang="es-CL" dirty="0"/>
+              <a:t>Comparar medidas robustas (mediana, IQR) y detectar valores extremos sin asumir normalidad.</a:t>
+            </a:r>
+          </a:p>
+          <a:p>
+            <a:endParaRPr lang="es-CL" dirty="0"/>
+          </a:p>
+          <a:p>
+            <a:r>
+              <a:rPr lang="es-CL" dirty="0"/>
+              <a:t>Boxplot comparativo → resumen estadístico directo.</a:t>
+            </a:r>
+          </a:p>
+          <a:p>
+            <a:endParaRPr lang="es-CL" dirty="0"/>
+          </a:p>
+          <a:p>
+            <a:r>
+              <a:rPr lang="es-CL" dirty="0"/>
+              <a:t>Reduce la complejidad del histograma y permite una lectura rápida de diferencias estructurales.</a:t>
+            </a:r>
+          </a:p>
+          <a:p>
+            <a:endParaRPr lang="es-CL" dirty="0"/>
+          </a:p>
+          <a:p>
+            <a:r>
+              <a:rPr lang="es-CL" dirty="0"/>
+              <a:t>Canal visual dominante:</a:t>
+            </a:r>
+            <a:br>
+              <a:rPr lang="es-CL" dirty="0"/>
+            </a:br>
+            <a:r>
+              <a:rPr lang="es-CL" dirty="0"/>
+              <a:t>Posición vertical de la mediana y altura de la caja → comparación precisa.</a:t>
+            </a:r>
+          </a:p>
+          <a:p>
+            <a:endParaRPr lang="es-CL" dirty="0"/>
+          </a:p>
+          <a:p>
+            <a:r>
+              <a:rPr lang="es-CL" dirty="0"/>
+              <a:t>Un promedio ocultaría asimetrías. El boxplot conserva robustez ante outliers.</a:t>
+            </a:r>
+          </a:p>
+          <a:p>
+            <a:endParaRPr lang="es-CL" dirty="0"/>
+          </a:p>
+          <a:p>
+            <a:endParaRPr lang="es-CL" dirty="0"/>
+          </a:p>
+        </p:txBody>
+      </p:sp>
+      <p:sp>
+        <p:nvSpPr>
+          <p:cNvPr id="4" name="Marcador de número de diapositiva 3"/>
+          <p:cNvSpPr>
+            <a:spLocks noGrp="1"/>
+          </p:cNvSpPr>
+          <p:nvPr>
+            <p:ph type="sldNum" sz="quarter" idx="5"/>
+          </p:nvPr>
+        </p:nvSpPr>
+        <p:spPr/>
+        <p:txBody>
+          <a:bodyPr/>
+          <a:lstStyle/>
+          <a:p>
+            <a:fld id="{6E1D7A85-3234-2845-A3D9-88D91527219B}" type="slidenum">
+              <a:rPr lang="es-CL" smtClean="0"/>
+              <a:t>6</a:t>
+            </a:fld>
+            <a:endParaRPr lang="es-CL"/>
+          </a:p>
+        </p:txBody>
+      </p:sp>
+    </p:spTree>
+    <p:extLst>
+      <p:ext uri="{BB962C8B-B14F-4D97-AF65-F5344CB8AC3E}">
+        <p14:creationId xmlns:p14="http://schemas.microsoft.com/office/powerpoint/2010/main" val="2443524814"/>
+      </p:ext>
+    </p:extLst>
+  </p:cSld>
+  <p:clrMapOvr>
+    <a:masterClrMapping/>
+  </p:clrMapOvr>
+</p:notes>
+</file>
+
+<file path=ppt/notesSlides/notesSlide6.xml><?xml version="1.0" encoding="utf-8"?>
+<p:notes xmlns:a="http://schemas.openxmlformats.org/drawingml/2006/main" xmlns:r="http://schemas.openxmlformats.org/officeDocument/2006/relationships" xmlns:p="http://schemas.openxmlformats.org/presentationml/2006/main">
+  <p:cSld>
+    <p:spTree>
+      <p:nvGrpSpPr>
+        <p:cNvPr id="1" name=""/>
+        <p:cNvGrpSpPr/>
+        <p:nvPr/>
+      </p:nvGrpSpPr>
+      <p:grpSpPr>
+        <a:xfrm>
+          <a:off x="0" y="0"/>
+          <a:ext cx="0" cy="0"/>
+          <a:chOff x="0" y="0"/>
+          <a:chExt cx="0" cy="0"/>
+        </a:xfrm>
+      </p:grpSpPr>
+      <p:sp>
+        <p:nvSpPr>
+          <p:cNvPr id="2" name="Marcador de imagen de diapositiva 1"/>
+          <p:cNvSpPr>
+            <a:spLocks noGrp="1" noRot="1" noChangeAspect="1"/>
+          </p:cNvSpPr>
+          <p:nvPr>
+            <p:ph type="sldImg"/>
+          </p:nvPr>
+        </p:nvSpPr>
+        <p:spPr/>
+      </p:sp>
+      <p:sp>
+        <p:nvSpPr>
+          <p:cNvPr id="3" name="Marcador de notas 2"/>
+          <p:cNvSpPr>
+            <a:spLocks noGrp="1"/>
+          </p:cNvSpPr>
+          <p:nvPr>
+            <p:ph type="body" idx="1"/>
+          </p:nvPr>
+        </p:nvSpPr>
+        <p:spPr/>
+        <p:txBody>
+          <a:bodyPr/>
+          <a:lstStyle/>
+          <a:p>
+            <a:r>
+              <a:rPr lang="es-CL" dirty="0"/>
+              <a:t>Este paso del análisis busca evaluar si el lenguaje de las descripciones contiene señales tempranas del alcance global de un título.</a:t>
+            </a:r>
+            <a:br>
+              <a:rPr lang="es-CL" dirty="0"/>
+            </a:br>
+            <a:r>
+              <a:rPr lang="es-CL" dirty="0"/>
+              <a:t>A diferencia de variables estructurales, el texto está disponible antes del lanzamiento, lo que lo convierte en una señal particularmente valiosa para anticipación.</a:t>
+            </a:r>
+          </a:p>
+          <a:p>
+            <a:endParaRPr lang="es-CL" dirty="0"/>
+          </a:p>
+          <a:p>
+            <a:r>
+              <a:rPr lang="es-CL" dirty="0"/>
+              <a:t>Tipo de gráfico: visualización de importancia léxica / términos destacados → permite identificar qué grupos de palabras están asociados a mayor o menor proyección internacional.</a:t>
+            </a:r>
+          </a:p>
+          <a:p>
+            <a:endParaRPr lang="es-CL" dirty="0"/>
+          </a:p>
+          <a:p>
+            <a:r>
+              <a:rPr lang="es-CL" dirty="0"/>
+              <a:t>Razón de diseño: se prioriza una lectura semántica clara por sobre métricas técnicas, facilitando la interpretación para audiencias no técnicas.</a:t>
+            </a:r>
+          </a:p>
+          <a:p>
+            <a:endParaRPr lang="es-CL" dirty="0"/>
+          </a:p>
+          <a:p>
+            <a:r>
+              <a:rPr lang="es-CL" dirty="0"/>
+              <a:t>Canal visual dominante: tamaño / posición de los términos → permite comparar rápidamente qué conceptos destacan en títulos con mayor alcance global.</a:t>
+            </a:r>
+          </a:p>
+          <a:p>
+            <a:endParaRPr lang="es-CL" dirty="0"/>
+          </a:p>
+          <a:p>
+            <a:r>
+              <a:rPr lang="es-CL" dirty="0"/>
+              <a:t>Elección sobre alternativas: tablas de coeficientes o pesos numéricos aumentarían la carga cognitiva sin aportar claridad narrativa; un gráfico explicativo resume patrones de lenguaje de forma más intuitiva.</a:t>
+            </a:r>
+          </a:p>
+          <a:p>
+            <a:endParaRPr lang="es-CL" dirty="0"/>
+          </a:p>
+          <a:p>
+            <a:r>
+              <a:rPr lang="es-CL" dirty="0"/>
+              <a:t>Reducción de ruido: selección de términos más relevantes, eliminación de palabras irrelevantes y uso de una paleta limitada sin codificaciones innecesarias.</a:t>
+            </a:r>
+          </a:p>
+          <a:p>
+            <a:endParaRPr lang="es-CL" dirty="0"/>
+          </a:p>
+        </p:txBody>
+      </p:sp>
+      <p:sp>
+        <p:nvSpPr>
+          <p:cNvPr id="4" name="Marcador de número de diapositiva 3"/>
+          <p:cNvSpPr>
+            <a:spLocks noGrp="1"/>
+          </p:cNvSpPr>
+          <p:nvPr>
+            <p:ph type="sldNum" sz="quarter" idx="5"/>
+          </p:nvPr>
+        </p:nvSpPr>
+        <p:spPr/>
+        <p:txBody>
+          <a:bodyPr/>
+          <a:lstStyle/>
+          <a:p>
+            <a:fld id="{6E1D7A85-3234-2845-A3D9-88D91527219B}" type="slidenum">
+              <a:rPr lang="es-CL" smtClean="0"/>
+              <a:t>7</a:t>
+            </a:fld>
+            <a:endParaRPr lang="es-CL"/>
+          </a:p>
+        </p:txBody>
+      </p:sp>
+    </p:spTree>
+    <p:extLst>
+      <p:ext uri="{BB962C8B-B14F-4D97-AF65-F5344CB8AC3E}">
+        <p14:creationId xmlns:p14="http://schemas.microsoft.com/office/powerpoint/2010/main" val="2306394791"/>
+      </p:ext>
+    </p:extLst>
+  </p:cSld>
+  <p:clrMapOvr>
+    <a:masterClrMapping/>
+  </p:clrMapOvr>
+</p:notes>
+</file>
+
+<file path=ppt/notesSlides/notesSlide7.xml><?xml version="1.0" encoding="utf-8"?>
+<p:notes xmlns:a="http://schemas.openxmlformats.org/drawingml/2006/main" xmlns:r="http://schemas.openxmlformats.org/officeDocument/2006/relationships" xmlns:p="http://schemas.openxmlformats.org/presentationml/2006/main">
+  <p:cSld>
+    <p:spTree>
+      <p:nvGrpSpPr>
+        <p:cNvPr id="1" name=""/>
+        <p:cNvGrpSpPr/>
+        <p:nvPr/>
+      </p:nvGrpSpPr>
+      <p:grpSpPr>
+        <a:xfrm>
+          <a:off x="0" y="0"/>
+          <a:ext cx="0" cy="0"/>
+          <a:chOff x="0" y="0"/>
+          <a:chExt cx="0" cy="0"/>
+        </a:xfrm>
+      </p:grpSpPr>
+      <p:sp>
+        <p:nvSpPr>
+          <p:cNvPr id="2" name="Marcador de imagen de diapositiva 1"/>
+          <p:cNvSpPr>
+            <a:spLocks noGrp="1" noRot="1" noChangeAspect="1"/>
+          </p:cNvSpPr>
+          <p:nvPr>
+            <p:ph type="sldImg"/>
+          </p:nvPr>
+        </p:nvSpPr>
+        <p:spPr/>
+      </p:sp>
+      <p:sp>
+        <p:nvSpPr>
+          <p:cNvPr id="3" name="Marcador de notas 2"/>
+          <p:cNvSpPr>
+            <a:spLocks noGrp="1"/>
+          </p:cNvSpPr>
+          <p:nvPr>
+            <p:ph type="body" idx="1"/>
+          </p:nvPr>
+        </p:nvSpPr>
+        <p:spPr/>
+        <p:txBody>
+          <a:bodyPr/>
+          <a:lstStyle/>
+          <a:p>
             <a:r>
               <a:rPr lang="es-CL" dirty="0"/>
               <a:t>Este paso del análisis sintetiza todos los hallazgos en una única visualización.</a:t>
@@ -1144,7 +1376,7 @@
 </p:notes>
 </file>
 
-<file path=ppt/notesSlides/notesSlide6.xml><?xml version="1.0" encoding="utf-8"?>
+<file path=ppt/notesSlides/notesSlide8.xml><?xml version="1.0" encoding="utf-8"?>
 <p:notes xmlns:a="http://schemas.openxmlformats.org/drawingml/2006/main" xmlns:r="http://schemas.openxmlformats.org/officeDocument/2006/relationships" xmlns:p="http://schemas.openxmlformats.org/presentationml/2006/main">
   <p:cSld>
     <p:spTree>
@@ -1463,7 +1695,7 @@
           <a:p>
             <a:fld id="{504107E8-C3B3-0C44-A367-933937323D96}" type="slidenum">
               <a:rPr lang="es-CL" smtClean="0"/>
-              <a:t>‹Nº›</a:t>
+              <a:t>‹#›</a:t>
             </a:fld>
             <a:endParaRPr lang="es-CL"/>
           </a:p>
@@ -1638,7 +1870,7 @@
           <a:p>
             <a:fld id="{504107E8-C3B3-0C44-A367-933937323D96}" type="slidenum">
               <a:rPr lang="es-CL" smtClean="0"/>
-              <a:t>‹Nº›</a:t>
+              <a:t>‹#›</a:t>
             </a:fld>
             <a:endParaRPr lang="es-CL"/>
           </a:p>
@@ -1823,7 +2055,7 @@
           <a:p>
             <a:fld id="{504107E8-C3B3-0C44-A367-933937323D96}" type="slidenum">
               <a:rPr lang="es-CL" smtClean="0"/>
-              <a:t>‹Nº›</a:t>
+              <a:t>‹#›</a:t>
             </a:fld>
             <a:endParaRPr lang="es-CL"/>
           </a:p>
@@ -1998,7 +2230,7 @@
           <a:p>
             <a:fld id="{504107E8-C3B3-0C44-A367-933937323D96}" type="slidenum">
               <a:rPr lang="es-CL" smtClean="0"/>
-              <a:t>‹Nº›</a:t>
+              <a:t>‹#›</a:t>
             </a:fld>
             <a:endParaRPr lang="es-CL"/>
           </a:p>
@@ -2278,7 +2510,7 @@
           <a:p>
             <a:fld id="{504107E8-C3B3-0C44-A367-933937323D96}" type="slidenum">
               <a:rPr lang="es-CL" smtClean="0"/>
-              <a:t>‹Nº›</a:t>
+              <a:t>‹#›</a:t>
             </a:fld>
             <a:endParaRPr lang="es-CL"/>
           </a:p>
@@ -2496,7 +2728,7 @@
           <a:p>
             <a:fld id="{504107E8-C3B3-0C44-A367-933937323D96}" type="slidenum">
               <a:rPr lang="es-CL" smtClean="0"/>
-              <a:t>‹Nº›</a:t>
+              <a:t>‹#›</a:t>
             </a:fld>
             <a:endParaRPr lang="es-CL"/>
           </a:p>
@@ -2869,7 +3101,7 @@
           <a:p>
             <a:fld id="{504107E8-C3B3-0C44-A367-933937323D96}" type="slidenum">
               <a:rPr lang="es-CL" smtClean="0"/>
-              <a:t>‹Nº›</a:t>
+              <a:t>‹#›</a:t>
             </a:fld>
             <a:endParaRPr lang="es-CL"/>
           </a:p>
@@ -3011,7 +3243,7 @@
           <a:p>
             <a:fld id="{504107E8-C3B3-0C44-A367-933937323D96}" type="slidenum">
               <a:rPr lang="es-CL" smtClean="0"/>
-              <a:t>‹Nº›</a:t>
+              <a:t>‹#›</a:t>
             </a:fld>
             <a:endParaRPr lang="es-CL"/>
           </a:p>
@@ -3124,7 +3356,7 @@
           <a:p>
             <a:fld id="{504107E8-C3B3-0C44-A367-933937323D96}" type="slidenum">
               <a:rPr lang="es-CL" smtClean="0"/>
-              <a:t>‹Nº›</a:t>
+              <a:t>‹#›</a:t>
             </a:fld>
             <a:endParaRPr lang="es-CL"/>
           </a:p>
@@ -3416,7 +3648,7 @@
           <a:p>
             <a:fld id="{504107E8-C3B3-0C44-A367-933937323D96}" type="slidenum">
               <a:rPr lang="es-CL" smtClean="0"/>
-              <a:t>‹Nº›</a:t>
+              <a:t>‹#›</a:t>
             </a:fld>
             <a:endParaRPr lang="es-CL"/>
           </a:p>
@@ -3709,7 +3941,7 @@
           <a:p>
             <a:fld id="{504107E8-C3B3-0C44-A367-933937323D96}" type="slidenum">
               <a:rPr lang="es-CL" smtClean="0"/>
-              <a:t>‹Nº›</a:t>
+              <a:t>‹#›</a:t>
             </a:fld>
             <a:endParaRPr lang="es-CL"/>
           </a:p>
@@ -3963,7 +4195,7 @@
           <a:p>
             <a:fld id="{504107E8-C3B3-0C44-A367-933937323D96}" type="slidenum">
               <a:rPr lang="es-CL" smtClean="0"/>
-              <a:t>‹Nº›</a:t>
+              <a:t>‹#›</a:t>
             </a:fld>
             <a:endParaRPr lang="es-CL"/>
           </a:p>
@@ -4465,7 +4697,7 @@
           <p:nvPr/>
         </p:nvPicPr>
         <p:blipFill>
-          <a:blip r:embed="rId2"/>
+          <a:blip r:embed="rId3"/>
           <a:stretch>
             <a:fillRect/>
           </a:stretch>
@@ -4495,7 +4727,7 @@
           <p:nvPr/>
         </p:nvPicPr>
         <p:blipFill>
-          <a:blip r:embed="rId3"/>
+          <a:blip r:embed="rId4"/>
           <a:stretch>
             <a:fillRect/>
           </a:stretch>
@@ -4719,7 +4951,16 @@
                 </a:solidFill>
                 <a:latin typeface="Helvetica Neue" panose="02000503000000020004" pitchFamily="2" charset="0"/>
               </a:rPr>
-              <a:t>: Vanessa</a:t>
+              <a:t>: Vanessa </a:t>
+            </a:r>
+            <a:r>
+              <a:rPr lang="en-US" dirty="0" err="1">
+                <a:solidFill>
+                  <a:schemeClr val="bg1"/>
+                </a:solidFill>
+                <a:latin typeface="Helvetica Neue" panose="02000503000000020004" pitchFamily="2" charset="0"/>
+              </a:rPr>
+              <a:t>Camaggi</a:t>
             </a:r>
             <a:br>
               <a:rPr lang="en-US" dirty="0">
@@ -4736,7 +4977,7 @@
                 </a:solidFill>
                 <a:latin typeface="Helvetica Neue" panose="02000503000000020004" pitchFamily="2" charset="0"/>
               </a:rPr>
-              <a:t>                 Miguel Angel</a:t>
+              <a:t>                 Miguel Angel Segovia</a:t>
             </a:r>
             <a:br>
               <a:rPr lang="en-US" dirty="0">
@@ -4753,7 +4994,7 @@
                 </a:solidFill>
                 <a:latin typeface="Helvetica Neue" panose="02000503000000020004" pitchFamily="2" charset="0"/>
               </a:rPr>
-              <a:t>	   Adrian</a:t>
+              <a:t>	   Adrian Espinoza</a:t>
             </a:r>
           </a:p>
           <a:p>
@@ -4764,7 +5005,7 @@
                 </a:solidFill>
                 <a:latin typeface="Helvetica Neue" panose="02000503000000020004" pitchFamily="2" charset="0"/>
               </a:rPr>
-              <a:t>	   Ricardo</a:t>
+              <a:t>	   Ricardo Castro</a:t>
             </a:r>
           </a:p>
         </p:txBody>
@@ -5050,7 +5291,7 @@
           <p:nvPr/>
         </p:nvPicPr>
         <p:blipFill>
-          <a:blip r:embed="rId2"/>
+          <a:blip r:embed="rId3"/>
           <a:stretch>
             <a:fillRect/>
           </a:stretch>
